--- a/PPT/PPT.pptx
+++ b/PPT/PPT.pptx
@@ -1206,7 +1206,7 @@
           <a:p>
             <a:fld id="{A487A029-010D-40FC-BDC0-A1FA5C5D5335}" type="datetimeFigureOut">
               <a:rPr lang="ko-KR" altLang="en-US" smtClean="0"/>
-              <a:t>2024-06-07</a:t>
+              <a:t>2024-06-10</a:t>
             </a:fld>
             <a:endParaRPr lang="ko-KR" altLang="en-US"/>
           </a:p>
@@ -1704,7 +1704,7 @@
           <a:p>
             <a:fld id="{8196AEEC-CB03-4A56-AF80-507DACD049EF}" type="datetimeFigureOut">
               <a:rPr lang="ko-KR" altLang="en-US" smtClean="0"/>
-              <a:t>2024-06-07</a:t>
+              <a:t>2024-06-10</a:t>
             </a:fld>
             <a:endParaRPr lang="ko-KR" altLang="en-US"/>
           </a:p>
@@ -1902,7 +1902,7 @@
           <a:p>
             <a:fld id="{8196AEEC-CB03-4A56-AF80-507DACD049EF}" type="datetimeFigureOut">
               <a:rPr lang="ko-KR" altLang="en-US" smtClean="0"/>
-              <a:t>2024-06-07</a:t>
+              <a:t>2024-06-10</a:t>
             </a:fld>
             <a:endParaRPr lang="ko-KR" altLang="en-US"/>
           </a:p>
@@ -2110,7 +2110,7 @@
           <a:p>
             <a:fld id="{8196AEEC-CB03-4A56-AF80-507DACD049EF}" type="datetimeFigureOut">
               <a:rPr lang="ko-KR" altLang="en-US" smtClean="0"/>
-              <a:t>2024-06-07</a:t>
+              <a:t>2024-06-10</a:t>
             </a:fld>
             <a:endParaRPr lang="ko-KR" altLang="en-US"/>
           </a:p>
@@ -2308,7 +2308,7 @@
           <a:p>
             <a:fld id="{8196AEEC-CB03-4A56-AF80-507DACD049EF}" type="datetimeFigureOut">
               <a:rPr lang="ko-KR" altLang="en-US" smtClean="0"/>
-              <a:t>2024-06-07</a:t>
+              <a:t>2024-06-10</a:t>
             </a:fld>
             <a:endParaRPr lang="ko-KR" altLang="en-US"/>
           </a:p>
@@ -2583,7 +2583,7 @@
           <a:p>
             <a:fld id="{8196AEEC-CB03-4A56-AF80-507DACD049EF}" type="datetimeFigureOut">
               <a:rPr lang="ko-KR" altLang="en-US" smtClean="0"/>
-              <a:t>2024-06-07</a:t>
+              <a:t>2024-06-10</a:t>
             </a:fld>
             <a:endParaRPr lang="ko-KR" altLang="en-US"/>
           </a:p>
@@ -2848,7 +2848,7 @@
           <a:p>
             <a:fld id="{8196AEEC-CB03-4A56-AF80-507DACD049EF}" type="datetimeFigureOut">
               <a:rPr lang="ko-KR" altLang="en-US" smtClean="0"/>
-              <a:t>2024-06-07</a:t>
+              <a:t>2024-06-10</a:t>
             </a:fld>
             <a:endParaRPr lang="ko-KR" altLang="en-US"/>
           </a:p>
@@ -3260,7 +3260,7 @@
           <a:p>
             <a:fld id="{8196AEEC-CB03-4A56-AF80-507DACD049EF}" type="datetimeFigureOut">
               <a:rPr lang="ko-KR" altLang="en-US" smtClean="0"/>
-              <a:t>2024-06-07</a:t>
+              <a:t>2024-06-10</a:t>
             </a:fld>
             <a:endParaRPr lang="ko-KR" altLang="en-US"/>
           </a:p>
@@ -3401,7 +3401,7 @@
           <a:p>
             <a:fld id="{8196AEEC-CB03-4A56-AF80-507DACD049EF}" type="datetimeFigureOut">
               <a:rPr lang="ko-KR" altLang="en-US" smtClean="0"/>
-              <a:t>2024-06-07</a:t>
+              <a:t>2024-06-10</a:t>
             </a:fld>
             <a:endParaRPr lang="ko-KR" altLang="en-US"/>
           </a:p>
@@ -3514,7 +3514,7 @@
           <a:p>
             <a:fld id="{8196AEEC-CB03-4A56-AF80-507DACD049EF}" type="datetimeFigureOut">
               <a:rPr lang="ko-KR" altLang="en-US" smtClean="0"/>
-              <a:t>2024-06-07</a:t>
+              <a:t>2024-06-10</a:t>
             </a:fld>
             <a:endParaRPr lang="ko-KR" altLang="en-US"/>
           </a:p>
@@ -3825,7 +3825,7 @@
           <a:p>
             <a:fld id="{8196AEEC-CB03-4A56-AF80-507DACD049EF}" type="datetimeFigureOut">
               <a:rPr lang="ko-KR" altLang="en-US" smtClean="0"/>
-              <a:t>2024-06-07</a:t>
+              <a:t>2024-06-10</a:t>
             </a:fld>
             <a:endParaRPr lang="ko-KR" altLang="en-US"/>
           </a:p>
@@ -4113,7 +4113,7 @@
           <a:p>
             <a:fld id="{8196AEEC-CB03-4A56-AF80-507DACD049EF}" type="datetimeFigureOut">
               <a:rPr lang="ko-KR" altLang="en-US" smtClean="0"/>
-              <a:t>2024-06-07</a:t>
+              <a:t>2024-06-10</a:t>
             </a:fld>
             <a:endParaRPr lang="ko-KR" altLang="en-US"/>
           </a:p>
@@ -4354,7 +4354,7 @@
           <a:p>
             <a:fld id="{8196AEEC-CB03-4A56-AF80-507DACD049EF}" type="datetimeFigureOut">
               <a:rPr lang="ko-KR" altLang="en-US" smtClean="0"/>
-              <a:t>2024-06-07</a:t>
+              <a:t>2024-06-10</a:t>
             </a:fld>
             <a:endParaRPr lang="ko-KR" altLang="en-US"/>
           </a:p>
